--- a/A. Student Individual Assignment.pptx
+++ b/A. Student Individual Assignment.pptx
@@ -11822,6 +11822,89 @@
           </a:p>
         </p:txBody>
       </p:sp>
+      <p:sp>
+        <p:nvSpPr>
+          <p:cNvPr id="3" name="TextBox 2">
+            <a:extLst>
+              <a:ext uri="{FF2B5EF4-FFF2-40B4-BE49-F238E27FC236}">
+                <a16:creationId xmlns:a16="http://schemas.microsoft.com/office/drawing/2014/main" id="{432BF35A-1112-EE24-407F-723AA5DBEEFC}"/>
+              </a:ext>
+            </a:extLst>
+          </p:cNvPr>
+          <p:cNvSpPr txBox="1"/>
+          <p:nvPr/>
+        </p:nvSpPr>
+        <p:spPr>
+          <a:xfrm>
+            <a:off x="4419601" y="4265015"/>
+            <a:ext cx="4588932" cy="307777"/>
+          </a:xfrm>
+          <a:prstGeom prst="rect">
+            <a:avLst/>
+          </a:prstGeom>
+          <a:noFill/>
+        </p:spPr>
+        <p:txBody>
+          <a:bodyPr wrap="square">
+            <a:spAutoFit/>
+          </a:bodyPr>
+          <a:lstStyle/>
+          <a:p>
+            <a:pPr marR="0" algn="r" rtl="1">
+              <a:lnSpc>
+                <a:spcPct val="100000"/>
+              </a:lnSpc>
+              <a:spcBef>
+                <a:spcPts val="0"/>
+              </a:spcBef>
+              <a:spcAft>
+                <a:spcPts val="0"/>
+              </a:spcAft>
+              <a:buClr>
+                <a:srgbClr val="000000"/>
+              </a:buClr>
+              <a:buFont typeface="Arial"/>
+            </a:pPr>
+            <a:r>
+              <a:rPr lang="en-US" dirty="0">
+                <a:hlinkClick r:id="rId4"/>
+              </a:rPr>
+              <a:t>https://</a:t>
+            </a:r>
+            <a:r>
+              <a:rPr lang="en-US" dirty="0" err="1">
+                <a:hlinkClick r:id="rId4"/>
+              </a:rPr>
+              <a:t>github.com</a:t>
+            </a:r>
+            <a:r>
+              <a:rPr lang="en-US" dirty="0">
+                <a:hlinkClick r:id="rId4"/>
+              </a:rPr>
+              <a:t>/</a:t>
+            </a:r>
+            <a:r>
+              <a:rPr lang="en-US" dirty="0" err="1">
+                <a:hlinkClick r:id="rId4"/>
+              </a:rPr>
+              <a:t>Haniehmzd</a:t>
+            </a:r>
+            <a:r>
+              <a:rPr lang="en-US" dirty="0">
+                <a:hlinkClick r:id="rId4"/>
+              </a:rPr>
+              <a:t>/Data-</a:t>
+            </a:r>
+            <a:r>
+              <a:rPr lang="en-US" dirty="0" err="1">
+                <a:hlinkClick r:id="rId4"/>
+              </a:rPr>
+              <a:t>Visualization.git</a:t>
+            </a:r>
+            <a:endParaRPr lang="en-US" dirty="0"/>
+          </a:p>
+        </p:txBody>
+      </p:sp>
     </p:spTree>
   </p:cSld>
   <p:clrMapOvr>
@@ -12711,19 +12794,7 @@
               <a:rPr lang="en-US" dirty="0">
                 <a:latin typeface="LEKTON04-THIN" panose="02000506030000020003" pitchFamily="2" charset="0"/>
               </a:rPr>
-              <a:t>Higher population growth appears to be associated with lower life expectancy in several </a:t>
-            </a:r>
-            <a:r>
-              <a:rPr lang="en-US" dirty="0" err="1">
-                <a:latin typeface="LEKTON04-THIN" panose="02000506030000020003" pitchFamily="2" charset="0"/>
-              </a:rPr>
-              <a:t>regions.Strong</a:t>
-            </a:r>
-            <a:r>
-              <a:rPr lang="en-US" dirty="0">
-                <a:latin typeface="LEKTON04-THIN" panose="02000506030000020003" pitchFamily="2" charset="0"/>
-              </a:rPr>
-              <a:t> </a:t>
+              <a:t>Higher population growth appears to be associated with lower life expectancy in several regions. Strong </a:t>
             </a:r>
             <a:r>
               <a:rPr lang="en-US" b="1" dirty="0">
@@ -12829,8 +12900,8 @@
         </p:nvSpPr>
         <p:spPr>
           <a:xfrm>
-            <a:off x="5438273" y="1499500"/>
-            <a:ext cx="3404936" cy="2462213"/>
+            <a:off x="6360215" y="1511808"/>
+            <a:ext cx="2783785" cy="2492990"/>
           </a:xfrm>
           <a:prstGeom prst="rect">
             <a:avLst/>
@@ -12843,29 +12914,29 @@
           </a:bodyPr>
           <a:lstStyle/>
           <a:p>
-            <a:endParaRPr lang="en-US" b="1" dirty="0">
+            <a:endParaRPr lang="en-US" sz="1200" b="1" dirty="0">
               <a:latin typeface="LEKTON04-THIN" panose="02000506030000020003" pitchFamily="2" charset="0"/>
             </a:endParaRPr>
           </a:p>
           <a:p>
             <a:r>
-              <a:rPr lang="en-US" b="1" dirty="0">
+              <a:rPr lang="en-US" sz="1200" b="1" dirty="0">
                 <a:latin typeface="LEKTON04-THIN" panose="02000506030000020003" pitchFamily="2" charset="0"/>
               </a:rPr>
               <a:t>Economic Growth and Health Outcomes</a:t>
             </a:r>
-            <a:endParaRPr lang="en-US" dirty="0">
+            <a:endParaRPr lang="en-US" sz="1200" dirty="0">
               <a:latin typeface="LEKTON04-THIN" panose="02000506030000020003" pitchFamily="2" charset="0"/>
             </a:endParaRPr>
           </a:p>
           <a:p>
-            <a:endParaRPr lang="en-US" b="1" dirty="0">
+            <a:endParaRPr lang="en-US" sz="1200" b="1" dirty="0">
               <a:latin typeface="LEKTON04-THIN" panose="02000506030000020003" pitchFamily="2" charset="0"/>
             </a:endParaRPr>
           </a:p>
           <a:p>
             <a:r>
-              <a:rPr lang="en-US" dirty="0">
+              <a:rPr lang="en-US" sz="1200" dirty="0">
                 <a:latin typeface="LEKTON04-THIN" panose="02000506030000020003" pitchFamily="2" charset="0"/>
               </a:rPr>
               <a:t>This visualization shows the relationship between GDP per capita and life expectancy in 2019.</a:t>
@@ -12873,12 +12944,12 @@
           </a:p>
           <a:p>
             <a:br>
-              <a:rPr lang="en-US" dirty="0">
+              <a:rPr lang="en-US" sz="1200" dirty="0">
                 <a:latin typeface="LEKTON04-THIN" panose="02000506030000020003" pitchFamily="2" charset="0"/>
               </a:rPr>
             </a:br>
             <a:r>
-              <a:rPr lang="en-US" dirty="0">
+              <a:rPr lang="en-US" sz="1200" dirty="0">
                 <a:latin typeface="LEKTON04-THIN" panose="02000506030000020003" pitchFamily="2" charset="0"/>
               </a:rPr>
               <a:t>A clear positive relationship emerges, although diminishing returns are observed at higher income levels.</a:t>
@@ -12908,8 +12979,8 @@
         </p:blipFill>
         <p:spPr>
           <a:xfrm>
-            <a:off x="96255" y="324852"/>
-            <a:ext cx="5342018" cy="4478087"/>
+            <a:off x="226997" y="426312"/>
+            <a:ext cx="6133218" cy="4290875"/>
           </a:xfrm>
           <a:prstGeom prst="rect">
             <a:avLst/>
@@ -12957,13 +13028,13 @@
         </p:nvPicPr>
         <p:blipFill rotWithShape="1">
           <a:blip r:embed="rId2"/>
-          <a:srcRect l="5444" r="8129" b="2026"/>
+          <a:srcRect l="5445" t="2266" r="9494" b="2027"/>
           <a:stretch/>
         </p:blipFill>
         <p:spPr>
           <a:xfrm>
-            <a:off x="958818" y="0"/>
-            <a:ext cx="7226363" cy="5039276"/>
+            <a:off x="1663775" y="438912"/>
+            <a:ext cx="5724577" cy="3962265"/>
           </a:xfrm>
           <a:prstGeom prst="rect">
             <a:avLst/>
@@ -13359,6 +13430,59 @@
             <a:endParaRPr lang="en-US" dirty="0">
               <a:latin typeface="LEKTON04-THIN" panose="02000506030000020003" pitchFamily="2" charset="0"/>
             </a:endParaRPr>
+          </a:p>
+        </p:txBody>
+      </p:sp>
+      <p:sp>
+        <p:nvSpPr>
+          <p:cNvPr id="3" name="TextBox 2">
+            <a:extLst>
+              <a:ext uri="{FF2B5EF4-FFF2-40B4-BE49-F238E27FC236}">
+                <a16:creationId xmlns:a16="http://schemas.microsoft.com/office/drawing/2014/main" id="{E8846EC5-AC57-9A8A-1B3A-621218CB9C3B}"/>
+              </a:ext>
+            </a:extLst>
+          </p:cNvPr>
+          <p:cNvSpPr txBox="1"/>
+          <p:nvPr/>
+        </p:nvSpPr>
+        <p:spPr>
+          <a:xfrm>
+            <a:off x="4374000" y="3410578"/>
+            <a:ext cx="4572000" cy="307777"/>
+          </a:xfrm>
+          <a:prstGeom prst="rect">
+            <a:avLst/>
+          </a:prstGeom>
+          <a:noFill/>
+        </p:spPr>
+        <p:txBody>
+          <a:bodyPr wrap="square">
+            <a:spAutoFit/>
+          </a:bodyPr>
+          <a:lstStyle/>
+          <a:p>
+            <a:pPr marR="0" algn="r" rtl="1">
+              <a:lnSpc>
+                <a:spcPct val="100000"/>
+              </a:lnSpc>
+              <a:spcBef>
+                <a:spcPts val="0"/>
+              </a:spcBef>
+              <a:spcAft>
+                <a:spcPts val="0"/>
+              </a:spcAft>
+              <a:buClr>
+                <a:srgbClr val="000000"/>
+              </a:buClr>
+              <a:buFont typeface="Arial"/>
+            </a:pPr>
+            <a:r>
+              <a:rPr lang="en-US" dirty="0">
+                <a:hlinkClick r:id="rId3"/>
+              </a:rPr>
+              <a:t>https://github.com/Haniehmzd/Data-Visualization.git</a:t>
+            </a:r>
+            <a:endParaRPr lang="en-US" dirty="0"/>
           </a:p>
         </p:txBody>
       </p:sp>
